--- a/projectPresentation.pptx
+++ b/projectPresentation.pptx
@@ -13,6 +13,7 @@
     <p:sldId id="263" r:id="rId7"/>
     <p:sldId id="264" r:id="rId8"/>
     <p:sldId id="261" r:id="rId9"/>
+    <p:sldId id="266" r:id="rId10"/>
   </p:sldIdLst>
   <p:sldSz cx="12192000" cy="6858000"/>
   <p:notesSz cx="6858000" cy="9144000"/>
@@ -536,7 +537,7 @@
             <a:fld id="{3C633830-2244-49AE-BC4A-47F415C177C6}" type="datetimeFigureOut">
               <a:rPr lang="en-US" dirty="0"/>
               <a:pPr/>
-              <a:t>4/6/2020</a:t>
+              <a:t>4/7/2020</a:t>
             </a:fld>
             <a:endParaRPr lang="en-US" dirty="0"/>
           </a:p>
@@ -779,7 +780,7 @@
           <a:p>
             <a:fld id="{3C633830-2244-49AE-BC4A-47F415C177C6}" type="datetimeFigureOut">
               <a:rPr lang="en-US" dirty="0"/>
-              <a:t>4/6/2020</a:t>
+              <a:t>4/7/2020</a:t>
             </a:fld>
             <a:endParaRPr lang="en-US" dirty="0"/>
           </a:p>
@@ -1160,7 +1161,7 @@
           <a:p>
             <a:fld id="{3C633830-2244-49AE-BC4A-47F415C177C6}" type="datetimeFigureOut">
               <a:rPr lang="en-US" dirty="0"/>
-              <a:t>4/6/2020</a:t>
+              <a:t>4/7/2020</a:t>
             </a:fld>
             <a:endParaRPr lang="en-US" dirty="0"/>
           </a:p>
@@ -1384,7 +1385,7 @@
           <a:p>
             <a:fld id="{3C633830-2244-49AE-BC4A-47F415C177C6}" type="datetimeFigureOut">
               <a:rPr lang="en-US" dirty="0"/>
-              <a:t>4/6/2020</a:t>
+              <a:t>4/7/2020</a:t>
             </a:fld>
             <a:endParaRPr lang="en-US" dirty="0"/>
           </a:p>
@@ -1863,7 +1864,7 @@
             <a:fld id="{3C633830-2244-49AE-BC4A-47F415C177C6}" type="datetimeFigureOut">
               <a:rPr lang="en-US" dirty="0"/>
               <a:pPr/>
-              <a:t>4/6/2020</a:t>
+              <a:t>4/7/2020</a:t>
             </a:fld>
             <a:endParaRPr lang="en-US" dirty="0"/>
           </a:p>
@@ -2169,7 +2170,7 @@
           <a:p>
             <a:fld id="{3C633830-2244-49AE-BC4A-47F415C177C6}" type="datetimeFigureOut">
               <a:rPr lang="en-US" dirty="0"/>
-              <a:t>4/6/2020</a:t>
+              <a:t>4/7/2020</a:t>
             </a:fld>
             <a:endParaRPr lang="en-US" dirty="0"/>
           </a:p>
@@ -2555,7 +2556,7 @@
           <a:p>
             <a:fld id="{3C633830-2244-49AE-BC4A-47F415C177C6}" type="datetimeFigureOut">
               <a:rPr lang="en-US" dirty="0"/>
-              <a:t>4/6/2020</a:t>
+              <a:t>4/7/2020</a:t>
             </a:fld>
             <a:endParaRPr lang="en-US" dirty="0"/>
           </a:p>
@@ -2668,7 +2669,7 @@
           <a:p>
             <a:fld id="{3C633830-2244-49AE-BC4A-47F415C177C6}" type="datetimeFigureOut">
               <a:rPr lang="en-US" dirty="0"/>
-              <a:t>4/6/2020</a:t>
+              <a:t>4/7/2020</a:t>
             </a:fld>
             <a:endParaRPr lang="en-US" dirty="0"/>
           </a:p>
@@ -2758,7 +2759,7 @@
           <a:p>
             <a:fld id="{3C633830-2244-49AE-BC4A-47F415C177C6}" type="datetimeFigureOut">
               <a:rPr lang="en-US" dirty="0"/>
-              <a:t>4/6/2020</a:t>
+              <a:t>4/7/2020</a:t>
             </a:fld>
             <a:endParaRPr lang="en-US" dirty="0"/>
           </a:p>
@@ -3053,7 +3054,7 @@
           <a:p>
             <a:fld id="{3C633830-2244-49AE-BC4A-47F415C177C6}" type="datetimeFigureOut">
               <a:rPr lang="en-US" dirty="0"/>
-              <a:t>4/6/2020</a:t>
+              <a:t>4/7/2020</a:t>
             </a:fld>
             <a:endParaRPr lang="en-US" dirty="0"/>
           </a:p>
@@ -3313,7 +3314,7 @@
           <a:p>
             <a:fld id="{3C633830-2244-49AE-BC4A-47F415C177C6}" type="datetimeFigureOut">
               <a:rPr lang="en-US" dirty="0"/>
-              <a:t>4/6/2020</a:t>
+              <a:t>4/7/2020</a:t>
             </a:fld>
             <a:endParaRPr lang="en-US" dirty="0"/>
           </a:p>
@@ -3727,7 +3728,7 @@
             <a:fld id="{3C633830-2244-49AE-BC4A-47F415C177C6}" type="datetimeFigureOut">
               <a:rPr lang="en-US" dirty="0"/>
               <a:pPr/>
-              <a:t>4/6/2020</a:t>
+              <a:t>4/7/2020</a:t>
             </a:fld>
             <a:endParaRPr lang="en-US" dirty="0"/>
           </a:p>
@@ -7042,6 +7043,90 @@
 </p:sld>
 </file>
 
+<file path=ppt/slides/slide9.xml><?xml version="1.0" encoding="utf-8"?>
+<p:sld xmlns:a="http://schemas.openxmlformats.org/drawingml/2006/main" xmlns:r="http://schemas.openxmlformats.org/officeDocument/2006/relationships" xmlns:p="http://schemas.openxmlformats.org/presentationml/2006/main">
+  <p:cSld>
+    <p:spTree>
+      <p:nvGrpSpPr>
+        <p:cNvPr id="1" name=""/>
+        <p:cNvGrpSpPr/>
+        <p:nvPr/>
+      </p:nvGrpSpPr>
+      <p:grpSpPr>
+        <a:xfrm>
+          <a:off x="0" y="0"/>
+          <a:ext cx="0" cy="0"/>
+          <a:chOff x="0" y="0"/>
+          <a:chExt cx="0" cy="0"/>
+        </a:xfrm>
+      </p:grpSpPr>
+      <p:sp>
+        <p:nvSpPr>
+          <p:cNvPr id="2" name="Title 1">
+            <a:extLst>
+              <a:ext uri="{FF2B5EF4-FFF2-40B4-BE49-F238E27FC236}">
+                <a16:creationId xmlns:a16="http://schemas.microsoft.com/office/drawing/2014/main" id="{B54AB6CC-F0C4-4C57-A94D-6089D51F1A72}"/>
+              </a:ext>
+            </a:extLst>
+          </p:cNvPr>
+          <p:cNvSpPr>
+            <a:spLocks noGrp="1"/>
+          </p:cNvSpPr>
+          <p:nvPr>
+            <p:ph type="title"/>
+          </p:nvPr>
+        </p:nvSpPr>
+        <p:spPr/>
+        <p:txBody>
+          <a:bodyPr/>
+          <a:lstStyle/>
+          <a:p>
+            <a:pPr algn="l"/>
+            <a:r>
+              <a:rPr lang="en-GB" dirty="0"/>
+              <a:t>Questions?</a:t>
+            </a:r>
+          </a:p>
+        </p:txBody>
+      </p:sp>
+      <p:sp>
+        <p:nvSpPr>
+          <p:cNvPr id="3" name="Content Placeholder 2">
+            <a:extLst>
+              <a:ext uri="{FF2B5EF4-FFF2-40B4-BE49-F238E27FC236}">
+                <a16:creationId xmlns:a16="http://schemas.microsoft.com/office/drawing/2014/main" id="{7691AD41-A311-4185-AE14-09465892ED9E}"/>
+              </a:ext>
+            </a:extLst>
+          </p:cNvPr>
+          <p:cNvSpPr>
+            <a:spLocks noGrp="1"/>
+          </p:cNvSpPr>
+          <p:nvPr>
+            <p:ph idx="1"/>
+          </p:nvPr>
+        </p:nvSpPr>
+        <p:spPr/>
+        <p:txBody>
+          <a:bodyPr/>
+          <a:lstStyle/>
+          <a:p>
+            <a:endParaRPr lang="en-GB"/>
+          </a:p>
+        </p:txBody>
+      </p:sp>
+    </p:spTree>
+    <p:extLst>
+      <p:ext uri="{BB962C8B-B14F-4D97-AF65-F5344CB8AC3E}">
+        <p14:creationId xmlns:p14="http://schemas.microsoft.com/office/powerpoint/2010/main" val="1518219395"/>
+      </p:ext>
+    </p:extLst>
+  </p:cSld>
+  <p:clrMapOvr>
+    <a:masterClrMapping/>
+  </p:clrMapOvr>
+</p:sld>
+</file>
+
 <file path=ppt/theme/theme1.xml><?xml version="1.0" encoding="utf-8"?>
 <a:theme xmlns:a="http://schemas.openxmlformats.org/drawingml/2006/main" name="Headlines">
   <a:themeElements>
